--- a/Documents/2C.pptx
+++ b/Documents/2C.pptx
@@ -157,100 +157,28 @@
   </p:defaultTextStyle>
   <p:extLst>
     <p:ext uri="{521415D9-36F7-43E2-AB2F-B90AF26B5E84}">
-      <p14:sectionLst xmlns:p14="http://schemas.microsoft.com/office/powerpoint/2010/main" xmlns="">
-        <p14:section name="Default Section" id="{2020A1C5-B7C7-4741-8AD6-016F9C731D91}">
+      <p14:sectionLst xmlns:p14="http://schemas.microsoft.com/office/powerpoint/2010/main">
+        <p14:section name="C2" id="{2020A1C5-B7C7-4741-8AD6-016F9C731D91}">
           <p14:sldIdLst>
             <p14:sldId id="274"/>
             <p14:sldId id="276"/>
-          </p14:sldIdLst>
-        </p14:section>
-        <p14:section name="Introduction to ORM" id="{DEC7EB40-21A7-498D-9510-2B689D106646}">
-          <p14:sldIdLst>
-            <p14:sldId id="425"/>
-            <p14:sldId id="479"/>
             <p14:sldId id="427"/>
-            <p14:sldId id="429"/>
-          </p14:sldIdLst>
-        </p14:section>
-        <p14:section name="Entity Framework" id="{EA0EEF64-29BD-458D-9961-DB0A619EA29C}">
-          <p14:sldIdLst>
-            <p14:sldId id="431"/>
-            <p14:sldId id="432"/>
-            <p14:sldId id="480"/>
-            <p14:sldId id="433"/>
-            <p14:sldId id="435"/>
-            <p14:sldId id="437"/>
-            <p14:sldId id="482"/>
-            <p14:sldId id="483"/>
-            <p14:sldId id="484"/>
-            <p14:sldId id="485"/>
-            <p14:sldId id="481"/>
-            <p14:sldId id="486"/>
-            <p14:sldId id="487"/>
-            <p14:sldId id="488"/>
-            <p14:sldId id="489"/>
-            <p14:sldId id="490"/>
-            <p14:sldId id="491"/>
-            <p14:sldId id="492"/>
-            <p14:sldId id="493"/>
-            <p14:sldId id="494"/>
-            <p14:sldId id="495"/>
-            <p14:sldId id="496"/>
-          </p14:sldIdLst>
-        </p14:section>
-        <p14:section name="Reading Data with Entity Framework" id="{77F45782-4B23-49CB-9CF9-C7DB84B7F97F}">
-          <p14:sldIdLst>
-            <p14:sldId id="441"/>
-            <p14:sldId id="442"/>
-            <p14:sldId id="443"/>
-            <p14:sldId id="444"/>
-            <p14:sldId id="445"/>
-            <p14:sldId id="446"/>
-          </p14:sldIdLst>
-        </p14:section>
-        <p14:section name="Create, Update and Delete using Entity Framework" id="{F50AECD3-DB70-45C0-939F-624F539B3F89}">
-          <p14:sldIdLst>
-            <p14:sldId id="448"/>
-            <p14:sldId id="449"/>
-            <p14:sldId id="450"/>
-            <p14:sldId id="451"/>
-            <p14:sldId id="452"/>
-          </p14:sldIdLst>
-        </p14:section>
-        <p14:section name="Entity Framework Core" id="{695C58A5-8797-48A3-AE38-24418B0C2272}">
-          <p14:sldIdLst>
-            <p14:sldId id="262"/>
-            <p14:sldId id="264"/>
-            <p14:sldId id="265"/>
-            <p14:sldId id="266"/>
-            <p14:sldId id="267"/>
-            <p14:sldId id="268"/>
-            <p14:sldId id="269"/>
-            <p14:sldId id="270"/>
-            <p14:sldId id="271"/>
-            <p14:sldId id="272"/>
-            <p14:sldId id="273"/>
             <p14:sldId id="498"/>
-            <p14:sldId id="275"/>
             <p14:sldId id="499"/>
-            <p14:sldId id="277"/>
-            <p14:sldId id="278"/>
-            <p14:sldId id="279"/>
-            <p14:sldId id="280"/>
-            <p14:sldId id="281"/>
-            <p14:sldId id="282"/>
-            <p14:sldId id="283"/>
-            <p14:sldId id="284"/>
-            <p14:sldId id="285"/>
-            <p14:sldId id="286"/>
-            <p14:sldId id="287"/>
+            <p14:sldId id="500"/>
+            <p14:sldId id="501"/>
+            <p14:sldId id="502"/>
+            <p14:sldId id="503"/>
+            <p14:sldId id="505"/>
+            <p14:sldId id="506"/>
+            <p14:sldId id="504"/>
             <p14:sldId id="497"/>
           </p14:sldIdLst>
         </p14:section>
       </p14:sectionLst>
     </p:ext>
     <p:ext uri="{EFAFB233-063F-42B5-8137-9DF3F51BA10A}">
-      <p15:sldGuideLst xmlns:p15="http://schemas.microsoft.com/office/powerpoint/2012/main" xmlns="">
+      <p15:sldGuideLst xmlns:p15="http://schemas.microsoft.com/office/powerpoint/2012/main">
         <p15:guide id="1" orient="horz" pos="2160" userDrawn="1">
           <p15:clr>
             <a:srgbClr val="A4A3A4"/>
@@ -264,7 +192,7 @@
       </p15:sldGuideLst>
     </p:ext>
     <p:ext uri="{2D200454-40CA-4A62-9FC3-DE9A4176ACB9}">
-      <p15:notesGuideLst xmlns:p15="http://schemas.microsoft.com/office/powerpoint/2012/main" xmlns="">
+      <p15:notesGuideLst xmlns:p15="http://schemas.microsoft.com/office/powerpoint/2012/main">
         <p15:guide id="1" orient="horz" pos="2880">
           <p15:clr>
             <a:srgbClr val="A4A3A4"/>
@@ -477,7 +405,7 @@
     </p:spTree>
     <p:extLst>
       <p:ext uri="{BB962C8B-B14F-4D97-AF65-F5344CB8AC3E}">
-        <p14:creationId xmlns:p14="http://schemas.microsoft.com/office/powerpoint/2010/main" xmlns="" val="4232045756"/>
+        <p14:creationId xmlns:p14="http://schemas.microsoft.com/office/powerpoint/2010/main" val="4232045756"/>
       </p:ext>
     </p:extLst>
   </p:cSld>
@@ -767,7 +695,7 @@
     </p:spTree>
     <p:extLst>
       <p:ext uri="{BB962C8B-B14F-4D97-AF65-F5344CB8AC3E}">
-        <p14:creationId xmlns:p14="http://schemas.microsoft.com/office/powerpoint/2010/main" xmlns="" val="276705785"/>
+        <p14:creationId xmlns:p14="http://schemas.microsoft.com/office/powerpoint/2010/main" val="276705785"/>
       </p:ext>
     </p:extLst>
   </p:cSld>
@@ -997,7 +925,7 @@
     </p:spTree>
     <p:extLst>
       <p:ext uri="{BB962C8B-B14F-4D97-AF65-F5344CB8AC3E}">
-        <p14:creationId xmlns:p14="http://schemas.microsoft.com/office/powerpoint/2010/main" xmlns="" val="914151531"/>
+        <p14:creationId xmlns:p14="http://schemas.microsoft.com/office/powerpoint/2010/main" val="914151531"/>
       </p:ext>
     </p:extLst>
   </p:cSld>
@@ -1136,7 +1064,7 @@
     </p:spTree>
     <p:extLst>
       <p:ext uri="{BB962C8B-B14F-4D97-AF65-F5344CB8AC3E}">
-        <p14:creationId xmlns:p14="http://schemas.microsoft.com/office/powerpoint/2010/main" xmlns="" val="2863416803"/>
+        <p14:creationId xmlns:p14="http://schemas.microsoft.com/office/powerpoint/2010/main" val="2863416803"/>
       </p:ext>
     </p:extLst>
   </p:cSld>
@@ -1275,7 +1203,7 @@
     </p:spTree>
     <p:extLst>
       <p:ext uri="{BB962C8B-B14F-4D97-AF65-F5344CB8AC3E}">
-        <p14:creationId xmlns:p14="http://schemas.microsoft.com/office/powerpoint/2010/main" xmlns="" val="2863416803"/>
+        <p14:creationId xmlns:p14="http://schemas.microsoft.com/office/powerpoint/2010/main" val="2863416803"/>
       </p:ext>
     </p:extLst>
   </p:cSld>
@@ -1415,7 +1343,7 @@
     </p:spTree>
     <p:extLst>
       <p:ext uri="{BB962C8B-B14F-4D97-AF65-F5344CB8AC3E}">
-        <p14:creationId xmlns:p14="http://schemas.microsoft.com/office/powerpoint/2010/main" xmlns="" val="1134749778"/>
+        <p14:creationId xmlns:p14="http://schemas.microsoft.com/office/powerpoint/2010/main" val="1134749778"/>
       </p:ext>
     </p:extLst>
   </p:cSld>
@@ -1554,7 +1482,7 @@
     </p:spTree>
     <p:extLst>
       <p:ext uri="{BB962C8B-B14F-4D97-AF65-F5344CB8AC3E}">
-        <p14:creationId xmlns:p14="http://schemas.microsoft.com/office/powerpoint/2010/main" xmlns="" val="2863416803"/>
+        <p14:creationId xmlns:p14="http://schemas.microsoft.com/office/powerpoint/2010/main" val="2863416803"/>
       </p:ext>
     </p:extLst>
   </p:cSld>
@@ -1693,7 +1621,7 @@
     </p:spTree>
     <p:extLst>
       <p:ext uri="{BB962C8B-B14F-4D97-AF65-F5344CB8AC3E}">
-        <p14:creationId xmlns:p14="http://schemas.microsoft.com/office/powerpoint/2010/main" xmlns="" val="2863416803"/>
+        <p14:creationId xmlns:p14="http://schemas.microsoft.com/office/powerpoint/2010/main" val="2863416803"/>
       </p:ext>
     </p:extLst>
   </p:cSld>
@@ -1832,7 +1760,7 @@
     </p:spTree>
     <p:extLst>
       <p:ext uri="{BB962C8B-B14F-4D97-AF65-F5344CB8AC3E}">
-        <p14:creationId xmlns:p14="http://schemas.microsoft.com/office/powerpoint/2010/main" xmlns="" val="2863416803"/>
+        <p14:creationId xmlns:p14="http://schemas.microsoft.com/office/powerpoint/2010/main" val="2863416803"/>
       </p:ext>
     </p:extLst>
   </p:cSld>
@@ -1971,7 +1899,7 @@
     </p:spTree>
     <p:extLst>
       <p:ext uri="{BB962C8B-B14F-4D97-AF65-F5344CB8AC3E}">
-        <p14:creationId xmlns:p14="http://schemas.microsoft.com/office/powerpoint/2010/main" xmlns="" val="2863416803"/>
+        <p14:creationId xmlns:p14="http://schemas.microsoft.com/office/powerpoint/2010/main" val="2863416803"/>
       </p:ext>
     </p:extLst>
   </p:cSld>
@@ -2110,7 +2038,7 @@
     </p:spTree>
     <p:extLst>
       <p:ext uri="{BB962C8B-B14F-4D97-AF65-F5344CB8AC3E}">
-        <p14:creationId xmlns:p14="http://schemas.microsoft.com/office/powerpoint/2010/main" xmlns="" val="2863416803"/>
+        <p14:creationId xmlns:p14="http://schemas.microsoft.com/office/powerpoint/2010/main" val="2863416803"/>
       </p:ext>
     </p:extLst>
   </p:cSld>
@@ -2249,7 +2177,7 @@
     </p:spTree>
     <p:extLst>
       <p:ext uri="{BB962C8B-B14F-4D97-AF65-F5344CB8AC3E}">
-        <p14:creationId xmlns:p14="http://schemas.microsoft.com/office/powerpoint/2010/main" xmlns="" val="2863416803"/>
+        <p14:creationId xmlns:p14="http://schemas.microsoft.com/office/powerpoint/2010/main" val="2863416803"/>
       </p:ext>
     </p:extLst>
   </p:cSld>
@@ -2388,7 +2316,7 @@
     </p:spTree>
     <p:extLst>
       <p:ext uri="{BB962C8B-B14F-4D97-AF65-F5344CB8AC3E}">
-        <p14:creationId xmlns:p14="http://schemas.microsoft.com/office/powerpoint/2010/main" xmlns="" val="2863416803"/>
+        <p14:creationId xmlns:p14="http://schemas.microsoft.com/office/powerpoint/2010/main" val="2863416803"/>
       </p:ext>
     </p:extLst>
   </p:cSld>
@@ -2477,7 +2405,7 @@
           <p:cNvPr id="8" name="Picture 7">
             <a:extLst>
               <a:ext uri="{FF2B5EF4-FFF2-40B4-BE49-F238E27FC236}">
-                <a16:creationId xmlns:a16="http://schemas.microsoft.com/office/drawing/2014/main" xmlns="" id="{1CF45043-0DF6-7844-A454-194D648F98F1}"/>
+                <a16:creationId xmlns="" xmlns:a16="http://schemas.microsoft.com/office/drawing/2014/main" id="{1CF45043-0DF6-7844-A454-194D648F98F1}"/>
               </a:ext>
             </a:extLst>
           </p:cNvPr>
@@ -2507,7 +2435,7 @@
           <p:cNvPr id="10" name="Title 8">
             <a:extLst>
               <a:ext uri="{FF2B5EF4-FFF2-40B4-BE49-F238E27FC236}">
-                <a16:creationId xmlns:a16="http://schemas.microsoft.com/office/drawing/2014/main" xmlns="" id="{353C5CCE-34CF-4745-B8D7-AF744DB56245}"/>
+                <a16:creationId xmlns="" xmlns:a16="http://schemas.microsoft.com/office/drawing/2014/main" id="{353C5CCE-34CF-4745-B8D7-AF744DB56245}"/>
               </a:ext>
             </a:extLst>
           </p:cNvPr>
@@ -2590,7 +2518,7 @@
     </p:spTree>
     <p:extLst>
       <p:ext uri="{BB962C8B-B14F-4D97-AF65-F5344CB8AC3E}">
-        <p14:creationId xmlns:p14="http://schemas.microsoft.com/office/powerpoint/2010/main" xmlns="" val="2355505416"/>
+        <p14:creationId xmlns:p14="http://schemas.microsoft.com/office/powerpoint/2010/main" val="2355505416"/>
       </p:ext>
     </p:extLst>
   </p:cSld>
@@ -2794,7 +2722,7 @@
     </p:spTree>
     <p:extLst>
       <p:ext uri="{BB962C8B-B14F-4D97-AF65-F5344CB8AC3E}">
-        <p14:creationId xmlns:p14="http://schemas.microsoft.com/office/powerpoint/2010/main" xmlns="" val="1229147622"/>
+        <p14:creationId xmlns:p14="http://schemas.microsoft.com/office/powerpoint/2010/main" val="1229147622"/>
       </p:ext>
     </p:extLst>
   </p:cSld>
@@ -3218,7 +3146,7 @@
           <p:cNvPr id="10" name="Title 1">
             <a:extLst>
               <a:ext uri="{FF2B5EF4-FFF2-40B4-BE49-F238E27FC236}">
-                <a16:creationId xmlns:a16="http://schemas.microsoft.com/office/drawing/2014/main" xmlns="" id="{B4B68A2E-49F8-4BDA-BD1A-488169336555}"/>
+                <a16:creationId xmlns="" xmlns:a16="http://schemas.microsoft.com/office/drawing/2014/main" id="{B4B68A2E-49F8-4BDA-BD1A-488169336555}"/>
               </a:ext>
             </a:extLst>
           </p:cNvPr>
@@ -3258,7 +3186,7 @@
     </p:spTree>
     <p:extLst>
       <p:ext uri="{BB962C8B-B14F-4D97-AF65-F5344CB8AC3E}">
-        <p14:creationId xmlns:p14="http://schemas.microsoft.com/office/powerpoint/2010/main" xmlns="" val="698157544"/>
+        <p14:creationId xmlns:p14="http://schemas.microsoft.com/office/powerpoint/2010/main" val="698157544"/>
       </p:ext>
     </p:extLst>
   </p:cSld>
@@ -3279,7 +3207,7 @@
             <a:lum/>
             <a:extLst>
               <a:ext uri="{28A0092B-C50C-407E-A947-70E740481C1C}">
-                <a14:useLocalDpi xmlns:a14="http://schemas.microsoft.com/office/drawing/2010/main" xmlns="" val="0"/>
+                <a14:useLocalDpi xmlns:a14="http://schemas.microsoft.com/office/drawing/2010/main" val="0"/>
               </a:ext>
             </a:extLst>
           </a:blip>
@@ -3776,7 +3704,7 @@
     </p:spTree>
     <p:extLst>
       <p:ext uri="{BB962C8B-B14F-4D97-AF65-F5344CB8AC3E}">
-        <p14:creationId xmlns:p14="http://schemas.microsoft.com/office/powerpoint/2010/main" xmlns="" val="2816522209"/>
+        <p14:creationId xmlns:p14="http://schemas.microsoft.com/office/powerpoint/2010/main" val="2816522209"/>
       </p:ext>
     </p:extLst>
   </p:cSld>
@@ -3796,7 +3724,7 @@
             <a:lum/>
             <a:extLst>
               <a:ext uri="{28A0092B-C50C-407E-A947-70E740481C1C}">
-                <a14:useLocalDpi xmlns:a14="http://schemas.microsoft.com/office/drawing/2010/main" xmlns="" val="0"/>
+                <a14:useLocalDpi xmlns:a14="http://schemas.microsoft.com/office/drawing/2010/main" val="0"/>
               </a:ext>
             </a:extLst>
           </a:blip>
@@ -4077,7 +4005,7 @@
           <a:blip r:embed="rId3" cstate="print">
             <a:extLst>
               <a:ext uri="{28A0092B-C50C-407E-A947-70E740481C1C}">
-                <a14:useLocalDpi xmlns:a14="http://schemas.microsoft.com/office/drawing/2010/main" xmlns="" val="0"/>
+                <a14:useLocalDpi xmlns:a14="http://schemas.microsoft.com/office/drawing/2010/main" val="0"/>
               </a:ext>
             </a:extLst>
           </a:blip>
@@ -4100,7 +4028,7 @@
     </p:spTree>
     <p:extLst>
       <p:ext uri="{BB962C8B-B14F-4D97-AF65-F5344CB8AC3E}">
-        <p14:creationId xmlns:p14="http://schemas.microsoft.com/office/powerpoint/2010/main" xmlns="" val="2369793507"/>
+        <p14:creationId xmlns:p14="http://schemas.microsoft.com/office/powerpoint/2010/main" val="2369793507"/>
       </p:ext>
     </p:extLst>
   </p:cSld>
@@ -4120,7 +4048,7 @@
             <a:lum/>
             <a:extLst>
               <a:ext uri="{28A0092B-C50C-407E-A947-70E740481C1C}">
-                <a14:useLocalDpi xmlns:a14="http://schemas.microsoft.com/office/drawing/2010/main" xmlns="" val="0"/>
+                <a14:useLocalDpi xmlns:a14="http://schemas.microsoft.com/office/drawing/2010/main" val="0"/>
               </a:ext>
             </a:extLst>
           </a:blip>
@@ -4314,7 +4242,7 @@
           <a:blip r:embed="rId3" cstate="print">
             <a:extLst>
               <a:ext uri="{28A0092B-C50C-407E-A947-70E740481C1C}">
-                <a14:useLocalDpi xmlns:a14="http://schemas.microsoft.com/office/drawing/2010/main" xmlns="" val="0"/>
+                <a14:useLocalDpi xmlns:a14="http://schemas.microsoft.com/office/drawing/2010/main" val="0"/>
               </a:ext>
             </a:extLst>
           </a:blip>
@@ -4337,7 +4265,7 @@
     </p:spTree>
     <p:extLst>
       <p:ext uri="{BB962C8B-B14F-4D97-AF65-F5344CB8AC3E}">
-        <p14:creationId xmlns:p14="http://schemas.microsoft.com/office/powerpoint/2010/main" xmlns="" val="4140686712"/>
+        <p14:creationId xmlns:p14="http://schemas.microsoft.com/office/powerpoint/2010/main" val="4140686712"/>
       </p:ext>
     </p:extLst>
   </p:cSld>
@@ -4430,7 +4358,7 @@
           <a:blip r:embed="rId3" cstate="print">
             <a:extLst>
               <a:ext uri="{28A0092B-C50C-407E-A947-70E740481C1C}">
-                <a14:useLocalDpi xmlns:a14="http://schemas.microsoft.com/office/drawing/2010/main" xmlns=""/>
+                <a14:useLocalDpi xmlns:a14="http://schemas.microsoft.com/office/drawing/2010/main"/>
               </a:ext>
             </a:extLst>
           </a:blip>
@@ -4898,7 +4826,7 @@
     </p:spTree>
     <p:extLst>
       <p:ext uri="{BB962C8B-B14F-4D97-AF65-F5344CB8AC3E}">
-        <p14:creationId xmlns:p14="http://schemas.microsoft.com/office/powerpoint/2010/main" xmlns="" val="668723060"/>
+        <p14:creationId xmlns:p14="http://schemas.microsoft.com/office/powerpoint/2010/main" val="668723060"/>
       </p:ext>
     </p:extLst>
   </p:cSld>
@@ -4918,7 +4846,7 @@
             <a:lum/>
             <a:extLst>
               <a:ext uri="{28A0092B-C50C-407E-A947-70E740481C1C}">
-                <a14:useLocalDpi xmlns:a14="http://schemas.microsoft.com/office/drawing/2010/main" xmlns="" val="0"/>
+                <a14:useLocalDpi xmlns:a14="http://schemas.microsoft.com/office/drawing/2010/main" val="0"/>
               </a:ext>
             </a:extLst>
           </a:blip>
@@ -4947,7 +4875,7 @@
     </p:spTree>
     <p:extLst>
       <p:ext uri="{BB962C8B-B14F-4D97-AF65-F5344CB8AC3E}">
-        <p14:creationId xmlns:p14="http://schemas.microsoft.com/office/powerpoint/2010/main" xmlns="" val="2462809796"/>
+        <p14:creationId xmlns:p14="http://schemas.microsoft.com/office/powerpoint/2010/main" val="2462809796"/>
       </p:ext>
     </p:extLst>
   </p:cSld>
@@ -5150,7 +5078,7 @@
     </p:spTree>
     <p:extLst>
       <p:ext uri="{BB962C8B-B14F-4D97-AF65-F5344CB8AC3E}">
-        <p14:creationId xmlns:p14="http://schemas.microsoft.com/office/powerpoint/2010/main" xmlns="" val="3668672855"/>
+        <p14:creationId xmlns:p14="http://schemas.microsoft.com/office/powerpoint/2010/main" val="3668672855"/>
       </p:ext>
     </p:extLst>
   </p:cSld>
@@ -5241,7 +5169,7 @@
           <p:cNvPr id="8" name="Picture 7">
             <a:extLst>
               <a:ext uri="{FF2B5EF4-FFF2-40B4-BE49-F238E27FC236}">
-                <a16:creationId xmlns:a16="http://schemas.microsoft.com/office/drawing/2014/main" xmlns="" id="{1CF45043-0DF6-7844-A454-194D648F98F1}"/>
+                <a16:creationId xmlns="" xmlns:a16="http://schemas.microsoft.com/office/drawing/2014/main" id="{1CF45043-0DF6-7844-A454-194D648F98F1}"/>
               </a:ext>
             </a:extLst>
           </p:cNvPr>
@@ -5271,7 +5199,7 @@
           <p:cNvPr id="10" name="Title 8">
             <a:extLst>
               <a:ext uri="{FF2B5EF4-FFF2-40B4-BE49-F238E27FC236}">
-                <a16:creationId xmlns:a16="http://schemas.microsoft.com/office/drawing/2014/main" xmlns="" id="{353C5CCE-34CF-4745-B8D7-AF744DB56245}"/>
+                <a16:creationId xmlns="" xmlns:a16="http://schemas.microsoft.com/office/drawing/2014/main" id="{353C5CCE-34CF-4745-B8D7-AF744DB56245}"/>
               </a:ext>
             </a:extLst>
           </p:cNvPr>
@@ -5354,7 +5282,7 @@
     </p:spTree>
     <p:extLst>
       <p:ext uri="{BB962C8B-B14F-4D97-AF65-F5344CB8AC3E}">
-        <p14:creationId xmlns:p14="http://schemas.microsoft.com/office/powerpoint/2010/main" xmlns="" val="1481446842"/>
+        <p14:creationId xmlns:p14="http://schemas.microsoft.com/office/powerpoint/2010/main" val="1481446842"/>
       </p:ext>
     </p:extLst>
   </p:cSld>
@@ -5489,7 +5417,7 @@
           <p:cNvPr id="7" name="Picture 6">
             <a:extLst>
               <a:ext uri="{FF2B5EF4-FFF2-40B4-BE49-F238E27FC236}">
-                <a16:creationId xmlns:a16="http://schemas.microsoft.com/office/drawing/2014/main" xmlns="" id="{19906801-963A-2748-A48D-2607EEFEA3B7}"/>
+                <a16:creationId xmlns="" xmlns:a16="http://schemas.microsoft.com/office/drawing/2014/main" id="{19906801-963A-2748-A48D-2607EEFEA3B7}"/>
               </a:ext>
             </a:extLst>
           </p:cNvPr>
@@ -5517,7 +5445,7 @@
     </p:spTree>
     <p:extLst>
       <p:ext uri="{BB962C8B-B14F-4D97-AF65-F5344CB8AC3E}">
-        <p14:creationId xmlns:p14="http://schemas.microsoft.com/office/powerpoint/2010/main" xmlns="" val="1997333082"/>
+        <p14:creationId xmlns:p14="http://schemas.microsoft.com/office/powerpoint/2010/main" val="1997333082"/>
       </p:ext>
     </p:extLst>
   </p:cSld>
@@ -5649,7 +5577,7 @@
           <p:cNvPr id="7" name="Picture 6">
             <a:extLst>
               <a:ext uri="{FF2B5EF4-FFF2-40B4-BE49-F238E27FC236}">
-                <a16:creationId xmlns:a16="http://schemas.microsoft.com/office/drawing/2014/main" xmlns="" id="{19906801-963A-2748-A48D-2607EEFEA3B7}"/>
+                <a16:creationId xmlns="" xmlns:a16="http://schemas.microsoft.com/office/drawing/2014/main" id="{19906801-963A-2748-A48D-2607EEFEA3B7}"/>
               </a:ext>
             </a:extLst>
           </p:cNvPr>
@@ -5677,7 +5605,7 @@
     </p:spTree>
     <p:extLst>
       <p:ext uri="{BB962C8B-B14F-4D97-AF65-F5344CB8AC3E}">
-        <p14:creationId xmlns:p14="http://schemas.microsoft.com/office/powerpoint/2010/main" xmlns="" val="3866208537"/>
+        <p14:creationId xmlns:p14="http://schemas.microsoft.com/office/powerpoint/2010/main" val="3866208537"/>
       </p:ext>
     </p:extLst>
   </p:cSld>
@@ -5710,7 +5638,7 @@
           <p:cNvPr id="9" name="Rectangle 8">
             <a:extLst>
               <a:ext uri="{FF2B5EF4-FFF2-40B4-BE49-F238E27FC236}">
-                <a16:creationId xmlns:a16="http://schemas.microsoft.com/office/drawing/2014/main" xmlns="" id="{9CC0A6A9-FB31-4A19-A170-D23A18C938E0}"/>
+                <a16:creationId xmlns="" xmlns:a16="http://schemas.microsoft.com/office/drawing/2014/main" id="{9CC0A6A9-FB31-4A19-A170-D23A18C938E0}"/>
               </a:ext>
             </a:extLst>
           </p:cNvPr>
@@ -5981,7 +5909,7 @@
           <a:blip r:embed="rId2" cstate="print">
             <a:extLst>
               <a:ext uri="{28A0092B-C50C-407E-A947-70E740481C1C}">
-                <a14:useLocalDpi xmlns:a14="http://schemas.microsoft.com/office/drawing/2010/main" xmlns="" val="0"/>
+                <a14:useLocalDpi xmlns:a14="http://schemas.microsoft.com/office/drawing/2010/main" val="0"/>
               </a:ext>
             </a:extLst>
           </a:blip>
@@ -6002,7 +5930,7 @@
     </p:spTree>
     <p:extLst>
       <p:ext uri="{BB962C8B-B14F-4D97-AF65-F5344CB8AC3E}">
-        <p14:creationId xmlns:p14="http://schemas.microsoft.com/office/powerpoint/2010/main" xmlns="" val="2762285263"/>
+        <p14:creationId xmlns:p14="http://schemas.microsoft.com/office/powerpoint/2010/main" val="2762285263"/>
       </p:ext>
     </p:extLst>
   </p:cSld>
@@ -6190,7 +6118,7 @@
     </p:spTree>
     <p:extLst>
       <p:ext uri="{BB962C8B-B14F-4D97-AF65-F5344CB8AC3E}">
-        <p14:creationId xmlns:p14="http://schemas.microsoft.com/office/powerpoint/2010/main" xmlns="" val="2955375651"/>
+        <p14:creationId xmlns:p14="http://schemas.microsoft.com/office/powerpoint/2010/main" val="2955375651"/>
       </p:ext>
     </p:extLst>
   </p:cSld>
@@ -6359,7 +6287,7 @@
     </p:spTree>
     <p:extLst>
       <p:ext uri="{BB962C8B-B14F-4D97-AF65-F5344CB8AC3E}">
-        <p14:creationId xmlns:p14="http://schemas.microsoft.com/office/powerpoint/2010/main" xmlns="" val="993340356"/>
+        <p14:creationId xmlns:p14="http://schemas.microsoft.com/office/powerpoint/2010/main" val="993340356"/>
       </p:ext>
     </p:extLst>
   </p:cSld>
@@ -6410,7 +6338,7 @@
           <p:cNvPr id="9" name="Picture 8">
             <a:extLst>
               <a:ext uri="{FF2B5EF4-FFF2-40B4-BE49-F238E27FC236}">
-                <a16:creationId xmlns:a16="http://schemas.microsoft.com/office/drawing/2014/main" xmlns="" id="{21C47469-3B03-E44C-89B5-F697BC2200BB}"/>
+                <a16:creationId xmlns="" xmlns:a16="http://schemas.microsoft.com/office/drawing/2014/main" id="{21C47469-3B03-E44C-89B5-F697BC2200BB}"/>
               </a:ext>
             </a:extLst>
           </p:cNvPr>
@@ -6438,7 +6366,7 @@
     </p:spTree>
     <p:extLst>
       <p:ext uri="{BB962C8B-B14F-4D97-AF65-F5344CB8AC3E}">
-        <p14:creationId xmlns:p14="http://schemas.microsoft.com/office/powerpoint/2010/main" xmlns="" val="2021259516"/>
+        <p14:creationId xmlns:p14="http://schemas.microsoft.com/office/powerpoint/2010/main" val="2021259516"/>
       </p:ext>
     </p:extLst>
   </p:cSld>
@@ -6729,7 +6657,7 @@
     </p:spTree>
     <p:extLst>
       <p:ext uri="{BB962C8B-B14F-4D97-AF65-F5344CB8AC3E}">
-        <p14:creationId xmlns:p14="http://schemas.microsoft.com/office/powerpoint/2010/main" xmlns="" val="624703736"/>
+        <p14:creationId xmlns:p14="http://schemas.microsoft.com/office/powerpoint/2010/main" val="624703736"/>
       </p:ext>
     </p:extLst>
   </p:cSld>
@@ -7123,7 +7051,7 @@
     </p:spTree>
     <p:extLst>
       <p:ext uri="{BB962C8B-B14F-4D97-AF65-F5344CB8AC3E}">
-        <p14:creationId xmlns:p14="http://schemas.microsoft.com/office/powerpoint/2010/main" xmlns="" val="718469290"/>
+        <p14:creationId xmlns:p14="http://schemas.microsoft.com/office/powerpoint/2010/main" val="718469290"/>
       </p:ext>
     </p:extLst>
   </p:cSld>
@@ -7411,7 +7339,7 @@
     </p:spTree>
     <p:extLst>
       <p:ext uri="{BB962C8B-B14F-4D97-AF65-F5344CB8AC3E}">
-        <p14:creationId xmlns:p14="http://schemas.microsoft.com/office/powerpoint/2010/main" xmlns="" val="3541191811"/>
+        <p14:creationId xmlns:p14="http://schemas.microsoft.com/office/powerpoint/2010/main" val="3541191811"/>
       </p:ext>
     </p:extLst>
   </p:cSld>
@@ -7614,7 +7542,7 @@
     </p:spTree>
     <p:extLst>
       <p:ext uri="{BB962C8B-B14F-4D97-AF65-F5344CB8AC3E}">
-        <p14:creationId xmlns:p14="http://schemas.microsoft.com/office/powerpoint/2010/main" xmlns="" val="320559372"/>
+        <p14:creationId xmlns:p14="http://schemas.microsoft.com/office/powerpoint/2010/main" val="320559372"/>
       </p:ext>
     </p:extLst>
   </p:cSld>
@@ -8040,7 +7968,7 @@
           <p:cNvPr id="10" name="Title 1">
             <a:extLst>
               <a:ext uri="{FF2B5EF4-FFF2-40B4-BE49-F238E27FC236}">
-                <a16:creationId xmlns:a16="http://schemas.microsoft.com/office/drawing/2014/main" xmlns="" id="{B4B68A2E-49F8-4BDA-BD1A-488169336555}"/>
+                <a16:creationId xmlns="" xmlns:a16="http://schemas.microsoft.com/office/drawing/2014/main" id="{B4B68A2E-49F8-4BDA-BD1A-488169336555}"/>
               </a:ext>
             </a:extLst>
           </p:cNvPr>
@@ -8080,7 +8008,7 @@
     </p:spTree>
     <p:extLst>
       <p:ext uri="{BB962C8B-B14F-4D97-AF65-F5344CB8AC3E}">
-        <p14:creationId xmlns:p14="http://schemas.microsoft.com/office/powerpoint/2010/main" xmlns="" val="1492715297"/>
+        <p14:creationId xmlns:p14="http://schemas.microsoft.com/office/powerpoint/2010/main" val="1492715297"/>
       </p:ext>
     </p:extLst>
   </p:cSld>
@@ -8286,7 +8214,7 @@
     </p:spTree>
     <p:extLst>
       <p:ext uri="{BB962C8B-B14F-4D97-AF65-F5344CB8AC3E}">
-        <p14:creationId xmlns:p14="http://schemas.microsoft.com/office/powerpoint/2010/main" xmlns="" val="2995819727"/>
+        <p14:creationId xmlns:p14="http://schemas.microsoft.com/office/powerpoint/2010/main" val="2995819727"/>
       </p:ext>
     </p:extLst>
   </p:cSld>
@@ -8529,7 +8457,7 @@
           <a:blip r:embed="rId2" cstate="print">
             <a:extLst>
               <a:ext uri="{28A0092B-C50C-407E-A947-70E740481C1C}">
-                <a14:useLocalDpi xmlns:a14="http://schemas.microsoft.com/office/drawing/2010/main" xmlns="" val="0"/>
+                <a14:useLocalDpi xmlns:a14="http://schemas.microsoft.com/office/drawing/2010/main" val="0"/>
               </a:ext>
             </a:extLst>
           </a:blip>
@@ -8550,7 +8478,7 @@
     </p:spTree>
     <p:extLst>
       <p:ext uri="{BB962C8B-B14F-4D97-AF65-F5344CB8AC3E}">
-        <p14:creationId xmlns:p14="http://schemas.microsoft.com/office/powerpoint/2010/main" xmlns="" val="3817868959"/>
+        <p14:creationId xmlns:p14="http://schemas.microsoft.com/office/powerpoint/2010/main" val="3817868959"/>
       </p:ext>
     </p:extLst>
   </p:cSld>
@@ -8722,7 +8650,7 @@
           <p:cNvPr id="8" name="Picture 7">
             <a:extLst>
               <a:ext uri="{FF2B5EF4-FFF2-40B4-BE49-F238E27FC236}">
-                <a16:creationId xmlns:a16="http://schemas.microsoft.com/office/drawing/2014/main" xmlns="" id="{1CF45043-0DF6-7844-A454-194D648F98F1}"/>
+                <a16:creationId xmlns="" xmlns:a16="http://schemas.microsoft.com/office/drawing/2014/main" id="{1CF45043-0DF6-7844-A454-194D648F98F1}"/>
               </a:ext>
             </a:extLst>
           </p:cNvPr>
@@ -8750,7 +8678,7 @@
     </p:spTree>
     <p:extLst>
       <p:ext uri="{BB962C8B-B14F-4D97-AF65-F5344CB8AC3E}">
-        <p14:creationId xmlns:p14="http://schemas.microsoft.com/office/powerpoint/2010/main" xmlns="" val="1627998837"/>
+        <p14:creationId xmlns:p14="http://schemas.microsoft.com/office/powerpoint/2010/main" val="1627998837"/>
       </p:ext>
     </p:extLst>
   </p:cSld>
@@ -8883,7 +8811,7 @@
           <p:cNvPr id="7" name="Picture 6">
             <a:extLst>
               <a:ext uri="{FF2B5EF4-FFF2-40B4-BE49-F238E27FC236}">
-                <a16:creationId xmlns:a16="http://schemas.microsoft.com/office/drawing/2014/main" xmlns="" id="{19906801-963A-2748-A48D-2607EEFEA3B7}"/>
+                <a16:creationId xmlns="" xmlns:a16="http://schemas.microsoft.com/office/drawing/2014/main" id="{19906801-963A-2748-A48D-2607EEFEA3B7}"/>
               </a:ext>
             </a:extLst>
           </p:cNvPr>
@@ -8911,7 +8839,7 @@
     </p:spTree>
     <p:extLst>
       <p:ext uri="{BB962C8B-B14F-4D97-AF65-F5344CB8AC3E}">
-        <p14:creationId xmlns:p14="http://schemas.microsoft.com/office/powerpoint/2010/main" xmlns="" val="2390581987"/>
+        <p14:creationId xmlns:p14="http://schemas.microsoft.com/office/powerpoint/2010/main" val="2390581987"/>
       </p:ext>
     </p:extLst>
   </p:cSld>
@@ -9052,7 +8980,7 @@
           <a:blip r:embed="rId2" cstate="print">
             <a:extLst>
               <a:ext uri="{28A0092B-C50C-407E-A947-70E740481C1C}">
-                <a14:useLocalDpi xmlns:a14="http://schemas.microsoft.com/office/drawing/2010/main" xmlns="" val="0"/>
+                <a14:useLocalDpi xmlns:a14="http://schemas.microsoft.com/office/drawing/2010/main" val="0"/>
               </a:ext>
             </a:extLst>
           </a:blip>
@@ -9075,7 +9003,7 @@
           <p:cNvPr id="6" name="Text Placeholder 6">
             <a:extLst>
               <a:ext uri="{FF2B5EF4-FFF2-40B4-BE49-F238E27FC236}">
-                <a16:creationId xmlns:a16="http://schemas.microsoft.com/office/drawing/2014/main" xmlns="" id="{6DDF5AB6-195E-47F9-91E3-98E599C01EFB}"/>
+                <a16:creationId xmlns="" xmlns:a16="http://schemas.microsoft.com/office/drawing/2014/main" id="{6DDF5AB6-195E-47F9-91E3-98E599C01EFB}"/>
               </a:ext>
             </a:extLst>
           </p:cNvPr>
@@ -9185,7 +9113,7 @@
     </p:spTree>
     <p:extLst>
       <p:ext uri="{BB962C8B-B14F-4D97-AF65-F5344CB8AC3E}">
-        <p14:creationId xmlns:p14="http://schemas.microsoft.com/office/powerpoint/2010/main" xmlns="" val="2022728335"/>
+        <p14:creationId xmlns:p14="http://schemas.microsoft.com/office/powerpoint/2010/main" val="2022728335"/>
       </p:ext>
     </p:extLst>
   </p:cSld>
@@ -9373,7 +9301,7 @@
           <p:cNvPr id="9" name="Picture 8">
             <a:extLst>
               <a:ext uri="{FF2B5EF4-FFF2-40B4-BE49-F238E27FC236}">
-                <a16:creationId xmlns:a16="http://schemas.microsoft.com/office/drawing/2014/main" xmlns="" id="{320D1B1E-8401-8049-8729-0C74A6C1928C}"/>
+                <a16:creationId xmlns="" xmlns:a16="http://schemas.microsoft.com/office/drawing/2014/main" id="{320D1B1E-8401-8049-8729-0C74A6C1928C}"/>
               </a:ext>
             </a:extLst>
           </p:cNvPr>
@@ -9401,7 +9329,7 @@
     </p:spTree>
     <p:extLst>
       <p:ext uri="{BB962C8B-B14F-4D97-AF65-F5344CB8AC3E}">
-        <p14:creationId xmlns:p14="http://schemas.microsoft.com/office/powerpoint/2010/main" xmlns="" val="409663256"/>
+        <p14:creationId xmlns:p14="http://schemas.microsoft.com/office/powerpoint/2010/main" val="409663256"/>
       </p:ext>
     </p:extLst>
   </p:cSld>
@@ -9578,7 +9506,7 @@
     </p:spTree>
     <p:extLst>
       <p:ext uri="{BB962C8B-B14F-4D97-AF65-F5344CB8AC3E}">
-        <p14:creationId xmlns:p14="http://schemas.microsoft.com/office/powerpoint/2010/main" xmlns="" val="2974593420"/>
+        <p14:creationId xmlns:p14="http://schemas.microsoft.com/office/powerpoint/2010/main" val="2974593420"/>
       </p:ext>
     </p:extLst>
   </p:cSld>
@@ -9625,7 +9553,7 @@
     </p:spTree>
     <p:extLst>
       <p:ext uri="{BB962C8B-B14F-4D97-AF65-F5344CB8AC3E}">
-        <p14:creationId xmlns:p14="http://schemas.microsoft.com/office/powerpoint/2010/main" xmlns="" val="3404126216"/>
+        <p14:creationId xmlns:p14="http://schemas.microsoft.com/office/powerpoint/2010/main" val="3404126216"/>
       </p:ext>
     </p:extLst>
   </p:cSld>
@@ -9914,7 +9842,7 @@
     </p:spTree>
     <p:extLst>
       <p:ext uri="{BB962C8B-B14F-4D97-AF65-F5344CB8AC3E}">
-        <p14:creationId xmlns:p14="http://schemas.microsoft.com/office/powerpoint/2010/main" xmlns="" val="659075779"/>
+        <p14:creationId xmlns:p14="http://schemas.microsoft.com/office/powerpoint/2010/main" val="659075779"/>
       </p:ext>
     </p:extLst>
   </p:cSld>
@@ -10306,7 +10234,7 @@
     </p:spTree>
     <p:extLst>
       <p:ext uri="{BB962C8B-B14F-4D97-AF65-F5344CB8AC3E}">
-        <p14:creationId xmlns:p14="http://schemas.microsoft.com/office/powerpoint/2010/main" xmlns="" val="4113040319"/>
+        <p14:creationId xmlns:p14="http://schemas.microsoft.com/office/powerpoint/2010/main" val="4113040319"/>
       </p:ext>
     </p:extLst>
   </p:cSld>
@@ -10592,7 +10520,7 @@
     </p:spTree>
     <p:extLst>
       <p:ext uri="{BB962C8B-B14F-4D97-AF65-F5344CB8AC3E}">
-        <p14:creationId xmlns:p14="http://schemas.microsoft.com/office/powerpoint/2010/main" xmlns="" val="668088192"/>
+        <p14:creationId xmlns:p14="http://schemas.microsoft.com/office/powerpoint/2010/main" val="668088192"/>
       </p:ext>
     </p:extLst>
   </p:cSld>
@@ -10795,7 +10723,7 @@
     </p:spTree>
     <p:extLst>
       <p:ext uri="{BB962C8B-B14F-4D97-AF65-F5344CB8AC3E}">
-        <p14:creationId xmlns:p14="http://schemas.microsoft.com/office/powerpoint/2010/main" xmlns="" val="958707777"/>
+        <p14:creationId xmlns:p14="http://schemas.microsoft.com/office/powerpoint/2010/main" val="958707777"/>
       </p:ext>
     </p:extLst>
   </p:cSld>
@@ -10980,7 +10908,7 @@
     </p:spTree>
     <p:extLst>
       <p:ext uri="{BB962C8B-B14F-4D97-AF65-F5344CB8AC3E}">
-        <p14:creationId xmlns:p14="http://schemas.microsoft.com/office/powerpoint/2010/main" xmlns="" val="1138294787"/>
+        <p14:creationId xmlns:p14="http://schemas.microsoft.com/office/powerpoint/2010/main" val="1138294787"/>
       </p:ext>
     </p:extLst>
   </p:cSld>
@@ -12105,7 +12033,7 @@
           <p:cNvPr id="22" name="Picture 21">
             <a:extLst>
               <a:ext uri="{FF2B5EF4-FFF2-40B4-BE49-F238E27FC236}">
-                <a16:creationId xmlns:a16="http://schemas.microsoft.com/office/drawing/2014/main" xmlns="" id="{D2C70A87-6824-3248-B448-307E7C5BC0C9}"/>
+                <a16:creationId xmlns="" xmlns:a16="http://schemas.microsoft.com/office/drawing/2014/main" id="{D2C70A87-6824-3248-B448-307E7C5BC0C9}"/>
               </a:ext>
             </a:extLst>
           </p:cNvPr>
@@ -12133,7 +12061,7 @@
     </p:spTree>
     <p:extLst>
       <p:ext uri="{BB962C8B-B14F-4D97-AF65-F5344CB8AC3E}">
-        <p14:creationId xmlns:p14="http://schemas.microsoft.com/office/powerpoint/2010/main" xmlns="" val="3465462616"/>
+        <p14:creationId xmlns:p14="http://schemas.microsoft.com/office/powerpoint/2010/main" val="3465462616"/>
       </p:ext>
     </p:extLst>
   </p:cSld>
@@ -14893,7 +14821,7 @@
     </p:spTree>
     <p:extLst>
       <p:ext uri="{BB962C8B-B14F-4D97-AF65-F5344CB8AC3E}">
-        <p14:creationId xmlns:p14="http://schemas.microsoft.com/office/powerpoint/2010/main" xmlns="" val="131824629"/>
+        <p14:creationId xmlns:p14="http://schemas.microsoft.com/office/powerpoint/2010/main" val="131824629"/>
       </p:ext>
     </p:extLst>
   </p:cSld>
@@ -15393,7 +15321,7 @@
     </p:spTree>
     <p:extLst>
       <p:ext uri="{BB962C8B-B14F-4D97-AF65-F5344CB8AC3E}">
-        <p14:creationId xmlns:p14="http://schemas.microsoft.com/office/powerpoint/2010/main" xmlns="" val="3866208537"/>
+        <p14:creationId xmlns:p14="http://schemas.microsoft.com/office/powerpoint/2010/main" val="3866208537"/>
       </p:ext>
     </p:extLst>
   </p:cSld>
@@ -15579,7 +15507,7 @@
     </p:spTree>
     <p:extLst>
       <p:ext uri="{BB962C8B-B14F-4D97-AF65-F5344CB8AC3E}">
-        <p14:creationId xmlns:p14="http://schemas.microsoft.com/office/powerpoint/2010/main" xmlns="" val="1138294787"/>
+        <p14:creationId xmlns:p14="http://schemas.microsoft.com/office/powerpoint/2010/main" val="1138294787"/>
       </p:ext>
     </p:extLst>
   </p:cSld>
@@ -15628,7 +15556,7 @@
           <p:cNvPr id="9" name="Picture 8">
             <a:extLst>
               <a:ext uri="{FF2B5EF4-FFF2-40B4-BE49-F238E27FC236}">
-                <a16:creationId xmlns:a16="http://schemas.microsoft.com/office/drawing/2014/main" xmlns="" id="{21C47469-3B03-E44C-89B5-F697BC2200BB}"/>
+                <a16:creationId xmlns="" xmlns:a16="http://schemas.microsoft.com/office/drawing/2014/main" id="{21C47469-3B03-E44C-89B5-F697BC2200BB}"/>
               </a:ext>
             </a:extLst>
           </p:cNvPr>
@@ -15656,7 +15584,7 @@
     </p:spTree>
     <p:extLst>
       <p:ext uri="{BB962C8B-B14F-4D97-AF65-F5344CB8AC3E}">
-        <p14:creationId xmlns:p14="http://schemas.microsoft.com/office/powerpoint/2010/main" xmlns="" val="1778202833"/>
+        <p14:creationId xmlns:p14="http://schemas.microsoft.com/office/powerpoint/2010/main" val="1778202833"/>
       </p:ext>
     </p:extLst>
   </p:cSld>
@@ -15945,7 +15873,7 @@
     </p:spTree>
     <p:extLst>
       <p:ext uri="{BB962C8B-B14F-4D97-AF65-F5344CB8AC3E}">
-        <p14:creationId xmlns:p14="http://schemas.microsoft.com/office/powerpoint/2010/main" xmlns="" val="3843255816"/>
+        <p14:creationId xmlns:p14="http://schemas.microsoft.com/office/powerpoint/2010/main" val="3843255816"/>
       </p:ext>
     </p:extLst>
   </p:cSld>
@@ -16337,7 +16265,7 @@
     </p:spTree>
     <p:extLst>
       <p:ext uri="{BB962C8B-B14F-4D97-AF65-F5344CB8AC3E}">
-        <p14:creationId xmlns:p14="http://schemas.microsoft.com/office/powerpoint/2010/main" xmlns="" val="1486574147"/>
+        <p14:creationId xmlns:p14="http://schemas.microsoft.com/office/powerpoint/2010/main" val="1486574147"/>
       </p:ext>
     </p:extLst>
   </p:cSld>
@@ -16623,7 +16551,7 @@
     </p:spTree>
     <p:extLst>
       <p:ext uri="{BB962C8B-B14F-4D97-AF65-F5344CB8AC3E}">
-        <p14:creationId xmlns:p14="http://schemas.microsoft.com/office/powerpoint/2010/main" xmlns="" val="1761457469"/>
+        <p14:creationId xmlns:p14="http://schemas.microsoft.com/office/powerpoint/2010/main" val="1761457469"/>
       </p:ext>
     </p:extLst>
   </p:cSld>
@@ -16683,7 +16611,7 @@
     </p:spTree>
     <p:extLst>
       <p:ext uri="{BB962C8B-B14F-4D97-AF65-F5344CB8AC3E}">
-        <p14:creationId xmlns:p14="http://schemas.microsoft.com/office/powerpoint/2010/main" xmlns="" val="26848094"/>
+        <p14:creationId xmlns:p14="http://schemas.microsoft.com/office/powerpoint/2010/main" val="26848094"/>
       </p:ext>
     </p:extLst>
   </p:cSld>
@@ -16990,7 +16918,7 @@
   </p:txStyles>
   <p:extLst mod="1">
     <p:ext uri="{27BBF7A9-308A-43DC-89C8-2F10F3537804}">
-      <p15:sldGuideLst xmlns:p15="http://schemas.microsoft.com/office/powerpoint/2012/main" xmlns="">
+      <p15:sldGuideLst xmlns:p15="http://schemas.microsoft.com/office/powerpoint/2012/main">
         <p15:guide id="2" pos="3840">
           <p15:clr>
             <a:srgbClr val="F26B43"/>
@@ -17171,7 +17099,7 @@
     </p:spTree>
     <p:extLst>
       <p:ext uri="{BB962C8B-B14F-4D97-AF65-F5344CB8AC3E}">
-        <p14:creationId xmlns:p14="http://schemas.microsoft.com/office/powerpoint/2010/main" xmlns="" val="4270343038"/>
+        <p14:creationId xmlns:p14="http://schemas.microsoft.com/office/powerpoint/2010/main" val="4270343038"/>
       </p:ext>
     </p:extLst>
   </p:cSld>
@@ -17472,7 +17400,7 @@
   </p:txStyles>
   <p:extLst mod="1">
     <p:ext uri="{27BBF7A9-308A-43DC-89C8-2F10F3537804}">
-      <p15:sldGuideLst xmlns:p15="http://schemas.microsoft.com/office/powerpoint/2012/main" xmlns="">
+      <p15:sldGuideLst xmlns:p15="http://schemas.microsoft.com/office/powerpoint/2012/main">
         <p15:guide id="1" orient="horz" pos="2160">
           <p15:clr>
             <a:srgbClr val="F26B43"/>
@@ -17648,7 +17576,7 @@
     </p:spTree>
     <p:extLst>
       <p:ext uri="{BB962C8B-B14F-4D97-AF65-F5344CB8AC3E}">
-        <p14:creationId xmlns:p14="http://schemas.microsoft.com/office/powerpoint/2010/main" xmlns="" val="707704806"/>
+        <p14:creationId xmlns:p14="http://schemas.microsoft.com/office/powerpoint/2010/main" val="707704806"/>
       </p:ext>
     </p:extLst>
   </p:cSld>
@@ -17948,7 +17876,7 @@
   </p:txStyles>
   <p:extLst mod="1">
     <p:ext uri="{27BBF7A9-308A-43DC-89C8-2F10F3537804}">
-      <p15:sldGuideLst xmlns:p15="http://schemas.microsoft.com/office/powerpoint/2012/main" xmlns="">
+      <p15:sldGuideLst xmlns:p15="http://schemas.microsoft.com/office/powerpoint/2012/main">
         <p15:guide id="1" orient="horz" pos="2160">
           <p15:clr>
             <a:srgbClr val="F26B43"/>
@@ -18787,7 +18715,7 @@
     </p:spTree>
     <p:extLst>
       <p:ext uri="{BB962C8B-B14F-4D97-AF65-F5344CB8AC3E}">
-        <p14:creationId xmlns:p14="http://schemas.microsoft.com/office/powerpoint/2010/main" xmlns="" val="3215379390"/>
+        <p14:creationId xmlns:p14="http://schemas.microsoft.com/office/powerpoint/2010/main" val="3215379390"/>
       </p:ext>
     </p:extLst>
   </p:cSld>
@@ -18919,11 +18847,7 @@
             </a:pPr>
             <a:r>
               <a:rPr lang="uk-UA" sz="1900" dirty="0" smtClean="0"/>
-              <a:t>Вбудована аналітика для управління продажами та </a:t>
-            </a:r>
-            <a:r>
-              <a:rPr lang="uk-UA" sz="1900" dirty="0" smtClean="0"/>
-              <a:t>прогнозування</a:t>
+              <a:t>Вбудована аналітика для управління продажами та прогнозування</a:t>
             </a:r>
             <a:r>
               <a:rPr lang="en-US" sz="1900" dirty="0" smtClean="0"/>
@@ -18931,11 +18855,7 @@
             </a:r>
             <a:r>
               <a:rPr lang="uk-UA" sz="1900" dirty="0" smtClean="0"/>
-              <a:t>CRM </a:t>
-            </a:r>
-            <a:r>
-              <a:rPr lang="uk-UA" sz="1900" dirty="0" smtClean="0"/>
-              <a:t>для управління взаємодією з клієнтами</a:t>
+              <a:t>CRM для управління взаємодією з клієнтами</a:t>
             </a:r>
           </a:p>
           <a:p>
@@ -19072,7 +18992,7 @@
     </p:spTree>
     <p:extLst>
       <p:ext uri="{BB962C8B-B14F-4D97-AF65-F5344CB8AC3E}">
-        <p14:creationId xmlns:p14="http://schemas.microsoft.com/office/powerpoint/2010/main" xmlns="" val="2783761260"/>
+        <p14:creationId xmlns:p14="http://schemas.microsoft.com/office/powerpoint/2010/main" val="2783761260"/>
       </p:ext>
     </p:extLst>
   </p:cSld>
@@ -19178,13 +19098,8 @@
             </a:pPr>
             <a:r>
               <a:rPr lang="uk-UA" sz="1600" dirty="0" smtClean="0"/>
-              <a:t>Інтегровані інструменти для управління виробничими процесами, постачанням і </a:t>
-            </a:r>
-            <a:r>
-              <a:rPr lang="uk-UA" sz="1600" dirty="0" smtClean="0"/>
-              <a:t>дистрибуцією</a:t>
-            </a:r>
-            <a:endParaRPr lang="uk-UA" sz="1600" dirty="0" smtClean="0"/>
+              <a:t>Інтегровані інструменти для управління виробничими процесами, постачанням і дистрибуцією</a:t>
+            </a:r>
           </a:p>
           <a:p>
             <a:pPr marL="799963" lvl="1" indent="-342900">
@@ -19193,11 +19108,7 @@
             </a:pPr>
             <a:r>
               <a:rPr lang="uk-UA" sz="1600" dirty="0" smtClean="0"/>
-              <a:t>Гнучка аналітика та </a:t>
-            </a:r>
-            <a:r>
-              <a:rPr lang="uk-UA" sz="1600" dirty="0" smtClean="0"/>
-              <a:t>звітність</a:t>
+              <a:t>Гнучка аналітика та звітність</a:t>
             </a:r>
             <a:endParaRPr lang="uk-UA" sz="2800" dirty="0" smtClean="0"/>
           </a:p>
@@ -19243,11 +19154,7 @@
             </a:pPr>
             <a:r>
               <a:rPr lang="uk-UA" sz="1800" dirty="0" smtClean="0"/>
-              <a:t>Потужна система </a:t>
-            </a:r>
-            <a:r>
-              <a:rPr lang="uk-UA" sz="1800" dirty="0" smtClean="0"/>
-              <a:t>аналітики</a:t>
+              <a:t>Потужна система аналітики</a:t>
             </a:r>
             <a:endParaRPr lang="uk-UA" sz="3000" dirty="0" smtClean="0"/>
           </a:p>
@@ -19340,7 +19247,7 @@
     </p:spTree>
     <p:extLst>
       <p:ext uri="{BB962C8B-B14F-4D97-AF65-F5344CB8AC3E}">
-        <p14:creationId xmlns:p14="http://schemas.microsoft.com/office/powerpoint/2010/main" xmlns="" val="2783761260"/>
+        <p14:creationId xmlns:p14="http://schemas.microsoft.com/office/powerpoint/2010/main" val="2783761260"/>
       </p:ext>
     </p:extLst>
   </p:cSld>
@@ -19493,7 +19400,7 @@
     </p:spTree>
     <p:extLst>
       <p:ext uri="{BB962C8B-B14F-4D97-AF65-F5344CB8AC3E}">
-        <p14:creationId xmlns:p14="http://schemas.microsoft.com/office/powerpoint/2010/main" xmlns="" val="2783761260"/>
+        <p14:creationId xmlns:p14="http://schemas.microsoft.com/office/powerpoint/2010/main" val="2783761260"/>
       </p:ext>
     </p:extLst>
   </p:cSld>
@@ -19525,7 +19432,7 @@
           <p:cNvPr id="2" name="Заголовок 1">
             <a:extLst>
               <a:ext uri="{FF2B5EF4-FFF2-40B4-BE49-F238E27FC236}">
-                <a16:creationId xmlns:a16="http://schemas.microsoft.com/office/drawing/2014/main" xmlns="" id="{AB96178D-F701-4810-BF5A-165ADD619021}"/>
+                <a16:creationId xmlns="" xmlns:a16="http://schemas.microsoft.com/office/drawing/2014/main" id="{AB96178D-F701-4810-BF5A-165ADD619021}"/>
               </a:ext>
             </a:extLst>
           </p:cNvPr>
@@ -19560,7 +19467,7 @@
     </p:spTree>
     <p:extLst>
       <p:ext uri="{BB962C8B-B14F-4D97-AF65-F5344CB8AC3E}">
-        <p14:creationId xmlns:p14="http://schemas.microsoft.com/office/powerpoint/2010/main" xmlns="" val="2135227275"/>
+        <p14:creationId xmlns:p14="http://schemas.microsoft.com/office/powerpoint/2010/main" val="2135227275"/>
       </p:ext>
     </p:extLst>
   </p:cSld>
@@ -19693,7 +19600,7 @@
     </p:spTree>
     <p:extLst>
       <p:ext uri="{BB962C8B-B14F-4D97-AF65-F5344CB8AC3E}">
-        <p14:creationId xmlns:p14="http://schemas.microsoft.com/office/powerpoint/2010/main" xmlns="" val="1646986932"/>
+        <p14:creationId xmlns:p14="http://schemas.microsoft.com/office/powerpoint/2010/main" val="1646986932"/>
       </p:ext>
     </p:extLst>
   </p:cSld>
@@ -19740,11 +19647,7 @@
             <a:pPr algn="l"/>
             <a:r>
               <a:rPr lang="uk-UA" b="1" dirty="0" smtClean="0"/>
-              <a:t>Ціль </a:t>
-            </a:r>
-            <a:r>
-              <a:rPr lang="uk-UA" b="1" dirty="0" smtClean="0"/>
-              <a:t>аплікації</a:t>
+              <a:t>Ціль аплікації</a:t>
             </a:r>
             <a:endParaRPr lang="bg-BG" dirty="0"/>
           </a:p>
@@ -19850,7 +19753,7 @@
     </p:spTree>
     <p:extLst>
       <p:ext uri="{BB962C8B-B14F-4D97-AF65-F5344CB8AC3E}">
-        <p14:creationId xmlns:p14="http://schemas.microsoft.com/office/powerpoint/2010/main" xmlns="" val="2783761260"/>
+        <p14:creationId xmlns:p14="http://schemas.microsoft.com/office/powerpoint/2010/main" val="2783761260"/>
       </p:ext>
     </p:extLst>
   </p:cSld>
@@ -19904,11 +19807,7 @@
             </a:r>
             <a:r>
               <a:rPr lang="uk-UA" b="1" dirty="0" smtClean="0"/>
-              <a:t> </a:t>
-            </a:r>
-            <a:r>
-              <a:rPr lang="uk-UA" b="1" dirty="0" smtClean="0"/>
-              <a:t>які вирішує аплікація</a:t>
+              <a:t> які вирішує аплікація</a:t>
             </a:r>
             <a:endParaRPr lang="uk-UA" b="1" dirty="0"/>
           </a:p>
@@ -20010,7 +19909,7 @@
     </p:spTree>
     <p:extLst>
       <p:ext uri="{BB962C8B-B14F-4D97-AF65-F5344CB8AC3E}">
-        <p14:creationId xmlns:p14="http://schemas.microsoft.com/office/powerpoint/2010/main" xmlns="" val="2783761260"/>
+        <p14:creationId xmlns:p14="http://schemas.microsoft.com/office/powerpoint/2010/main" val="2783761260"/>
       </p:ext>
     </p:extLst>
   </p:cSld>
@@ -20102,15 +20001,7 @@
             </a:r>
             <a:r>
               <a:rPr lang="uk-UA" dirty="0" smtClean="0"/>
-              <a:t>: Потребують інструментів для управління </a:t>
-            </a:r>
-            <a:r>
-              <a:rPr lang="uk-UA" dirty="0" smtClean="0"/>
-              <a:t>продажами</a:t>
-            </a:r>
-            <a:r>
-              <a:rPr lang="uk-UA" dirty="0" smtClean="0"/>
-              <a:t>.</a:t>
+              <a:t>: Потребують інструментів для управління продажами.</a:t>
             </a:r>
           </a:p>
           <a:p>
@@ -20167,7 +20058,7 @@
     </p:spTree>
     <p:extLst>
       <p:ext uri="{BB962C8B-B14F-4D97-AF65-F5344CB8AC3E}">
-        <p14:creationId xmlns:p14="http://schemas.microsoft.com/office/powerpoint/2010/main" xmlns="" val="2783761260"/>
+        <p14:creationId xmlns:p14="http://schemas.microsoft.com/office/powerpoint/2010/main" val="2783761260"/>
       </p:ext>
     </p:extLst>
   </p:cSld>
@@ -20263,11 +20154,7 @@
             </a:pPr>
             <a:r>
               <a:rPr lang="uk-UA" b="1" dirty="0" smtClean="0"/>
-              <a:t>Управління </a:t>
-            </a:r>
-            <a:r>
-              <a:rPr lang="uk-UA" b="1" dirty="0" smtClean="0"/>
-              <a:t>персоналом</a:t>
+              <a:t>Управління персоналом</a:t>
             </a:r>
             <a:endParaRPr lang="uk-UA" dirty="0" smtClean="0"/>
           </a:p>
@@ -20311,7 +20198,7 @@
     </p:spTree>
     <p:extLst>
       <p:ext uri="{BB962C8B-B14F-4D97-AF65-F5344CB8AC3E}">
-        <p14:creationId xmlns:p14="http://schemas.microsoft.com/office/powerpoint/2010/main" xmlns="" val="2783761260"/>
+        <p14:creationId xmlns:p14="http://schemas.microsoft.com/office/powerpoint/2010/main" val="2783761260"/>
       </p:ext>
     </p:extLst>
   </p:cSld>
@@ -20343,7 +20230,7 @@
           <p:cNvPr id="2" name="Заголовок 1">
             <a:extLst>
               <a:ext uri="{FF2B5EF4-FFF2-40B4-BE49-F238E27FC236}">
-                <a16:creationId xmlns:a16="http://schemas.microsoft.com/office/drawing/2014/main" xmlns="" id="{AB96178D-F701-4810-BF5A-165ADD619021}"/>
+                <a16:creationId xmlns="" xmlns:a16="http://schemas.microsoft.com/office/drawing/2014/main" id="{AB96178D-F701-4810-BF5A-165ADD619021}"/>
               </a:ext>
             </a:extLst>
           </p:cNvPr>
@@ -20369,11 +20256,7 @@
             <a:pPr algn="ctr"/>
             <a:r>
               <a:rPr lang="uk-UA" b="1" dirty="0" smtClean="0"/>
-              <a:t>Аналіз подібних аплікацій на ринку</a:t>
-            </a:r>
-            <a:r>
-              <a:rPr lang="uk-UA" b="1" dirty="0" smtClean="0"/>
-              <a:t>:</a:t>
+              <a:t>Аналіз подібних аплікацій на ринку:</a:t>
             </a:r>
             <a:endParaRPr lang="ru-RU" dirty="0"/>
           </a:p>
@@ -20382,7 +20265,7 @@
     </p:spTree>
     <p:extLst>
       <p:ext uri="{BB962C8B-B14F-4D97-AF65-F5344CB8AC3E}">
-        <p14:creationId xmlns:p14="http://schemas.microsoft.com/office/powerpoint/2010/main" xmlns="" val="2135227275"/>
+        <p14:creationId xmlns:p14="http://schemas.microsoft.com/office/powerpoint/2010/main" val="2135227275"/>
       </p:ext>
     </p:extLst>
   </p:cSld>
@@ -20478,11 +20361,7 @@
             </a:pPr>
             <a:r>
               <a:rPr lang="uk-UA" b="1" dirty="0" smtClean="0"/>
-              <a:t>Управління </a:t>
-            </a:r>
-            <a:r>
-              <a:rPr lang="uk-UA" b="1" dirty="0" smtClean="0"/>
-              <a:t>персоналом</a:t>
+              <a:t>Управління персоналом</a:t>
             </a:r>
             <a:endParaRPr lang="uk-UA" dirty="0" smtClean="0"/>
           </a:p>
@@ -20526,7 +20405,7 @@
     </p:spTree>
     <p:extLst>
       <p:ext uri="{BB962C8B-B14F-4D97-AF65-F5344CB8AC3E}">
-        <p14:creationId xmlns:p14="http://schemas.microsoft.com/office/powerpoint/2010/main" xmlns="" val="2783761260"/>
+        <p14:creationId xmlns:p14="http://schemas.microsoft.com/office/powerpoint/2010/main" val="2783761260"/>
       </p:ext>
     </p:extLst>
   </p:cSld>
@@ -20688,11 +20567,7 @@
             </a:r>
             <a:r>
               <a:rPr lang="uk-UA" sz="1800" dirty="0" smtClean="0"/>
-              <a:t> під конкретні вимоги </a:t>
-            </a:r>
-            <a:r>
-              <a:rPr lang="uk-UA" sz="1800" dirty="0" smtClean="0"/>
-              <a:t>підприємства</a:t>
+              <a:t> під конкретні вимоги підприємства</a:t>
             </a:r>
           </a:p>
           <a:p>
@@ -20716,11 +20591,7 @@
             </a:pPr>
             <a:r>
               <a:rPr lang="uk-UA" sz="1800" dirty="0" smtClean="0"/>
-              <a:t>Складність </a:t>
-            </a:r>
-            <a:r>
-              <a:rPr lang="uk-UA" sz="1800" dirty="0" smtClean="0"/>
-              <a:t>впровадження та налаштування</a:t>
+              <a:t>Складність впровадження та налаштування</a:t>
             </a:r>
           </a:p>
           <a:p>
@@ -20783,7 +20654,7 @@
     </p:spTree>
     <p:extLst>
       <p:ext uri="{BB962C8B-B14F-4D97-AF65-F5344CB8AC3E}">
-        <p14:creationId xmlns:p14="http://schemas.microsoft.com/office/powerpoint/2010/main" xmlns="" val="2783761260"/>
+        <p14:creationId xmlns:p14="http://schemas.microsoft.com/office/powerpoint/2010/main" val="2783761260"/>
       </p:ext>
     </p:extLst>
   </p:cSld>
@@ -20988,7 +20859,7 @@
   <a:extraClrSchemeLst/>
   <a:extLst>
     <a:ext uri="{05A4C25C-085E-4340-85A3-A5531E510DB2}">
-      <thm15:themeFamily xmlns:thm15="http://schemas.microsoft.com/office/thememl/2012/main" xmlns="" name="Presentation7" id="{EDBDD289-3946-6C44-95DC-76383EF7028A}" vid="{6D763B00-EF50-F542-BB8F-59F84E5659F4}"/>
+      <thm15:themeFamily xmlns:thm15="http://schemas.microsoft.com/office/thememl/2012/main" name="Presentation7" id="{EDBDD289-3946-6C44-95DC-76383EF7028A}" vid="{6D763B00-EF50-F542-BB8F-59F84E5659F4}"/>
     </a:ext>
   </a:extLst>
 </a:theme>
@@ -21189,7 +21060,7 @@
   <a:extraClrSchemeLst/>
   <a:extLst>
     <a:ext uri="{05A4C25C-085E-4340-85A3-A5531E510DB2}">
-      <thm15:themeFamily xmlns:thm15="http://schemas.microsoft.com/office/thememl/2012/main" xmlns="" name="Presentation7" id="{EDBDD289-3946-6C44-95DC-76383EF7028A}" vid="{6D763B00-EF50-F542-BB8F-59F84E5659F4}"/>
+      <thm15:themeFamily xmlns:thm15="http://schemas.microsoft.com/office/thememl/2012/main" name="Presentation7" id="{EDBDD289-3946-6C44-95DC-76383EF7028A}" vid="{6D763B00-EF50-F542-BB8F-59F84E5659F4}"/>
     </a:ext>
   </a:extLst>
 </a:theme>
@@ -21390,7 +21261,7 @@
   <a:extraClrSchemeLst/>
   <a:extLst>
     <a:ext uri="{05A4C25C-085E-4340-85A3-A5531E510DB2}">
-      <thm15:themeFamily xmlns:thm15="http://schemas.microsoft.com/office/thememl/2012/main" xmlns="" name="Presentation7" id="{EDBDD289-3946-6C44-95DC-76383EF7028A}" vid="{6D763B00-EF50-F542-BB8F-59F84E5659F4}"/>
+      <thm15:themeFamily xmlns:thm15="http://schemas.microsoft.com/office/thememl/2012/main" name="Presentation7" id="{EDBDD289-3946-6C44-95DC-76383EF7028A}" vid="{6D763B00-EF50-F542-BB8F-59F84E5659F4}"/>
     </a:ext>
   </a:extLst>
 </a:theme>
